--- a/PPL/Pomegranate.pptx
+++ b/PPL/Pomegranate.pptx
@@ -209,7 +209,7 @@
           <a:p>
             <a:fld id="{AF4239A7-1E32-4A92-B86D-10BB3367BBA1}" type="datetimeFigureOut">
               <a:rPr lang="pt-PT" smtClean="0"/>
-              <a:t>21/11/2021</a:t>
+              <a:t>25/11/2021</a:t>
             </a:fld>
             <a:endParaRPr lang="pt-PT"/>
           </a:p>
@@ -1198,7 +1198,7 @@
           <a:p>
             <a:fld id="{4A8D24A4-5FEC-4062-8995-EB21925B3B40}" type="datetime1">
               <a:rPr lang="en-US" smtClean="0"/>
-              <a:t>11/21/2021</a:t>
+              <a:t>11/25/2021</a:t>
             </a:fld>
             <a:endParaRPr lang="en-US" sz="1000" dirty="0"/>
           </a:p>
@@ -1451,7 +1451,7 @@
           <a:p>
             <a:fld id="{4A8D24A4-5FEC-4062-8995-EB21925B3B40}" type="datetime1">
               <a:rPr lang="en-US" smtClean="0"/>
-              <a:t>11/21/2021</a:t>
+              <a:t>11/25/2021</a:t>
             </a:fld>
             <a:endParaRPr lang="en-US" sz="1000" dirty="0"/>
           </a:p>
@@ -1767,7 +1767,7 @@
           <a:p>
             <a:fld id="{4A8D24A4-5FEC-4062-8995-EB21925B3B40}" type="datetime1">
               <a:rPr lang="en-US" smtClean="0"/>
-              <a:t>11/21/2021</a:t>
+              <a:t>11/25/2021</a:t>
             </a:fld>
             <a:endParaRPr lang="en-US" sz="1000" dirty="0"/>
           </a:p>
@@ -2110,7 +2110,7 @@
           <a:p>
             <a:fld id="{4A8D24A4-5FEC-4062-8995-EB21925B3B40}" type="datetime1">
               <a:rPr lang="en-US" smtClean="0"/>
-              <a:t>11/21/2021</a:t>
+              <a:t>11/25/2021</a:t>
             </a:fld>
             <a:endParaRPr lang="en-US" sz="1000" dirty="0"/>
           </a:p>
@@ -2426,7 +2426,7 @@
           <a:p>
             <a:fld id="{4A8D24A4-5FEC-4062-8995-EB21925B3B40}" type="datetime1">
               <a:rPr lang="en-US" smtClean="0"/>
-              <a:t>11/21/2021</a:t>
+              <a:t>11/25/2021</a:t>
             </a:fld>
             <a:endParaRPr lang="en-US" sz="1000" dirty="0"/>
           </a:p>
@@ -2821,7 +2821,7 @@
           <a:p>
             <a:fld id="{4A8D24A4-5FEC-4062-8995-EB21925B3B40}" type="datetime1">
               <a:rPr lang="en-US" smtClean="0"/>
-              <a:t>11/21/2021</a:t>
+              <a:t>11/25/2021</a:t>
             </a:fld>
             <a:endParaRPr lang="en-US" sz="1000" dirty="0"/>
           </a:p>
@@ -2993,7 +2993,7 @@
           <a:p>
             <a:fld id="{4A8D24A4-5FEC-4062-8995-EB21925B3B40}" type="datetime1">
               <a:rPr lang="en-US" smtClean="0"/>
-              <a:t>11/21/2021</a:t>
+              <a:t>11/25/2021</a:t>
             </a:fld>
             <a:endParaRPr lang="en-US" sz="1000" dirty="0"/>
           </a:p>
@@ -3175,7 +3175,7 @@
           <a:p>
             <a:fld id="{4A8D24A4-5FEC-4062-8995-EB21925B3B40}" type="datetime1">
               <a:rPr lang="en-US" smtClean="0"/>
-              <a:t>11/21/2021</a:t>
+              <a:t>11/25/2021</a:t>
             </a:fld>
             <a:endParaRPr lang="en-US" sz="1000" dirty="0"/>
           </a:p>
@@ -3353,7 +3353,7 @@
           <a:p>
             <a:fld id="{4A8D24A4-5FEC-4062-8995-EB21925B3B40}" type="datetime1">
               <a:rPr lang="en-US" smtClean="0"/>
-              <a:t>11/21/2021</a:t>
+              <a:t>11/25/2021</a:t>
             </a:fld>
             <a:endParaRPr lang="en-US" sz="1000" dirty="0"/>
           </a:p>
@@ -3602,7 +3602,7 @@
           <a:p>
             <a:fld id="{4A8D24A4-5FEC-4062-8995-EB21925B3B40}" type="datetime1">
               <a:rPr lang="en-US" smtClean="0"/>
-              <a:t>11/21/2021</a:t>
+              <a:t>11/25/2021</a:t>
             </a:fld>
             <a:endParaRPr lang="en-US" sz="1000" dirty="0"/>
           </a:p>
@@ -3836,7 +3836,7 @@
           <a:p>
             <a:fld id="{4A8D24A4-5FEC-4062-8995-EB21925B3B40}" type="datetime1">
               <a:rPr lang="en-US" smtClean="0"/>
-              <a:t>11/21/2021</a:t>
+              <a:t>11/25/2021</a:t>
             </a:fld>
             <a:endParaRPr lang="en-US" sz="1000" dirty="0"/>
           </a:p>
@@ -4212,7 +4212,7 @@
           <a:p>
             <a:fld id="{4A8D24A4-5FEC-4062-8995-EB21925B3B40}" type="datetime1">
               <a:rPr lang="en-US" smtClean="0"/>
-              <a:t>11/21/2021</a:t>
+              <a:t>11/25/2021</a:t>
             </a:fld>
             <a:endParaRPr lang="en-US" sz="1000" dirty="0"/>
           </a:p>
@@ -4337,7 +4337,7 @@
           <a:p>
             <a:fld id="{4A8D24A4-5FEC-4062-8995-EB21925B3B40}" type="datetime1">
               <a:rPr lang="en-US" smtClean="0"/>
-              <a:t>11/21/2021</a:t>
+              <a:t>11/25/2021</a:t>
             </a:fld>
             <a:endParaRPr lang="en-US" sz="1000" dirty="0"/>
           </a:p>
@@ -4434,7 +4434,7 @@
           <a:p>
             <a:fld id="{4A8D24A4-5FEC-4062-8995-EB21925B3B40}" type="datetime1">
               <a:rPr lang="en-US" smtClean="0"/>
-              <a:t>11/21/2021</a:t>
+              <a:t>11/25/2021</a:t>
             </a:fld>
             <a:endParaRPr lang="en-US" sz="1000" dirty="0"/>
           </a:p>
@@ -4691,7 +4691,7 @@
           <a:p>
             <a:fld id="{4A8D24A4-5FEC-4062-8995-EB21925B3B40}" type="datetime1">
               <a:rPr lang="en-US" smtClean="0"/>
-              <a:t>11/21/2021</a:t>
+              <a:t>11/25/2021</a:t>
             </a:fld>
             <a:endParaRPr lang="en-US" sz="1000" dirty="0"/>
           </a:p>
@@ -4956,7 +4956,7 @@
           <a:p>
             <a:fld id="{4A8D24A4-5FEC-4062-8995-EB21925B3B40}" type="datetime1">
               <a:rPr lang="en-US" smtClean="0"/>
-              <a:t>11/21/2021</a:t>
+              <a:t>11/25/2021</a:t>
             </a:fld>
             <a:endParaRPr lang="en-US" sz="1000" dirty="0"/>
           </a:p>
@@ -5701,7 +5701,7 @@
           <a:p>
             <a:fld id="{4A8D24A4-5FEC-4062-8995-EB21925B3B40}" type="datetime1">
               <a:rPr lang="en-US" smtClean="0"/>
-              <a:t>11/21/2021</a:t>
+              <a:t>11/25/2021</a:t>
             </a:fld>
             <a:endParaRPr lang="en-US" sz="1000" dirty="0"/>
           </a:p>
@@ -7312,14 +7312,20 @@
           <a:p>
             <a:r>
               <a:rPr lang="pt-PT" dirty="0"/>
-              <a:t>A pomegranate não é, na sua totalidade, uma linguagem de programação probabilística, pelo que não tem nenhum método de inferência pré-definido.</a:t>
-            </a:r>
+              <a:t>A pomegranate não é, na sua totalidade, uma linguagem de programação probabilística, pelo que praticamente não tem métodos de inferência.</a:t>
+            </a:r>
+          </a:p>
+          <a:p>
+            <a:endParaRPr lang="pt-PT" dirty="0"/>
           </a:p>
           <a:p>
             <a:r>
               <a:rPr lang="pt-PT" dirty="0"/>
-              <a:t>É referido na sua documentação que utiliza redes Bayesianas e modelos de Markov ocultos como métodos de inferência.</a:t>
-            </a:r>
+              <a:t>Tem apenas métodos de inferência em alguns modelos como redes Bayesianas ou Processos de Markov.</a:t>
+            </a:r>
+          </a:p>
+          <a:p>
+            <a:endParaRPr lang="pt-PT" dirty="0"/>
           </a:p>
           <a:p>
             <a:r>
@@ -7551,14 +7557,17 @@
           <a:p>
             <a:r>
               <a:rPr lang="pt-PT" dirty="0"/>
+              <a:t>Praticamente não tem métodos de inferência.</a:t>
+            </a:r>
+          </a:p>
+          <a:p>
+            <a:r>
+              <a:rPr lang="pt-PT" dirty="0"/>
               <a:t>É boa em tudo, mas não é excelente em nada.</a:t>
             </a:r>
           </a:p>
           <a:p>
-            <a:r>
-              <a:rPr lang="pt-PT" dirty="0"/>
-              <a:t>Praticamente não tem métodos de inferência.</a:t>
-            </a:r>
+            <a:endParaRPr lang="pt-PT" dirty="0"/>
           </a:p>
         </p:txBody>
       </p:sp>
@@ -7620,8 +7629,8 @@
           </a:p>
         </p:txBody>
       </p:sp>
-      <mc:AlternateContent xmlns:mc="http://schemas.openxmlformats.org/markup-compatibility/2006">
-        <mc:Choice xmlns:a14="http://schemas.microsoft.com/office/drawing/2010/main" Requires="a14">
+      <mc:AlternateContent xmlns:mc="http://schemas.openxmlformats.org/markup-compatibility/2006" xmlns:a14="http://schemas.microsoft.com/office/drawing/2010/main">
+        <mc:Choice Requires="a14">
           <p:sp>
             <p:nvSpPr>
               <p:cNvPr id="8" name="Marcador de Posição de Conteúdo 7">
@@ -7705,7 +7714,7 @@
             </p:txBody>
           </p:sp>
         </mc:Choice>
-        <mc:Fallback>
+        <mc:Fallback xmlns="">
           <p:sp>
             <p:nvSpPr>
               <p:cNvPr id="8" name="Marcador de Posição de Conteúdo 7">
@@ -7783,8 +7792,8 @@
           <a:chExt cx="0" cy="0"/>
         </a:xfrm>
       </p:grpSpPr>
-      <mc:AlternateContent xmlns:mc="http://schemas.openxmlformats.org/markup-compatibility/2006">
-        <mc:Choice xmlns:a14="http://schemas.microsoft.com/office/drawing/2010/main" Requires="a14">
+      <mc:AlternateContent xmlns:mc="http://schemas.openxmlformats.org/markup-compatibility/2006" xmlns:a14="http://schemas.microsoft.com/office/drawing/2010/main">
+        <mc:Choice Requires="a14">
           <p:sp>
             <p:nvSpPr>
               <p:cNvPr id="2" name="Título 1">
@@ -7852,7 +7861,7 @@
             </p:txBody>
           </p:sp>
         </mc:Choice>
-        <mc:Fallback>
+        <mc:Fallback xmlns="">
           <p:sp>
             <p:nvSpPr>
               <p:cNvPr id="2" name="Título 1">
@@ -8117,7 +8126,7 @@
           <a:p>
             <a:r>
               <a:rPr lang="pt-PT" dirty="0"/>
-              <a:t>Pode ser também necessário instalar alguns outros packages de Python como o Numpy ou o matplotlib mas esses já costumam vir instalados com o Python.</a:t>
+              <a:t>Pode ser também necessário instalar alguns outros packages de Python como o Numpy ou o matplotlib.</a:t>
             </a:r>
           </a:p>
         </p:txBody>
@@ -8212,10 +8221,16 @@
             </a:r>
           </a:p>
           <a:p>
+            <a:endParaRPr lang="pt-PT" dirty="0"/>
+          </a:p>
+          <a:p>
             <a:r>
               <a:rPr lang="pt-PT" dirty="0"/>
-              <a:t>Ainda assim, não consegue ser tão clara como WebPPL. Alguns programas que em WebPPL ocupam 5 linhas de código, em pomegranate ocupam 20 ou 30.</a:t>
-            </a:r>
+              <a:t>Ainda assim, não consegue ser tão clara como WebPPL. Um programa em WebPPL é, de forma geral, mais compacto do que um programa equivalente em Pomegranate.</a:t>
+            </a:r>
+          </a:p>
+          <a:p>
+            <a:endParaRPr lang="pt-PT" dirty="0"/>
           </a:p>
           <a:p>
             <a:r>
